--- a/Интенсив_анализ_данных_Борнева.pptx
+++ b/Интенсив_анализ_данных_Борнева.pptx
@@ -5,7 +5,7 @@
     <p:sldMasterId id="2147483648" r:id="rId1"/>
   </p:sldMasterIdLst>
   <p:notesMasterIdLst>
-    <p:notesMasterId r:id="rId20"/>
+    <p:notesMasterId r:id="rId21"/>
   </p:notesMasterIdLst>
   <p:sldIdLst>
     <p:sldId id="256" r:id="rId2"/>
@@ -24,8 +24,9 @@
     <p:sldId id="302" r:id="rId15"/>
     <p:sldId id="299" r:id="rId16"/>
     <p:sldId id="300" r:id="rId17"/>
-    <p:sldId id="303" r:id="rId18"/>
-    <p:sldId id="271" r:id="rId19"/>
+    <p:sldId id="304" r:id="rId18"/>
+    <p:sldId id="303" r:id="rId19"/>
+    <p:sldId id="271" r:id="rId20"/>
   </p:sldIdLst>
   <p:sldSz cx="24384000" cy="13716000"/>
   <p:notesSz cx="6858000" cy="9144000"/>
@@ -630,6 +631,72 @@
     <p:extLst>
       <p:ext uri="{BB962C8B-B14F-4D97-AF65-F5344CB8AC3E}">
         <p14:creationId xmlns:p14="http://schemas.microsoft.com/office/powerpoint/2010/main" val="364906998"/>
+      </p:ext>
+    </p:extLst>
+  </p:cSld>
+  <p:clrMapOvr>
+    <a:masterClrMapping/>
+  </p:clrMapOvr>
+</p:notes>
+</file>
+
+<file path=ppt/notesSlides/notesSlide11.xml><?xml version="1.0" encoding="utf-8"?>
+<p:notes xmlns:a="http://schemas.openxmlformats.org/drawingml/2006/main" xmlns:r="http://schemas.openxmlformats.org/officeDocument/2006/relationships" xmlns:p="http://schemas.openxmlformats.org/presentationml/2006/main">
+  <p:cSld>
+    <p:spTree>
+      <p:nvGrpSpPr>
+        <p:cNvPr id="1" name=""/>
+        <p:cNvGrpSpPr/>
+        <p:nvPr/>
+      </p:nvGrpSpPr>
+      <p:grpSpPr>
+        <a:xfrm>
+          <a:off x="0" y="0"/>
+          <a:ext cx="0" cy="0"/>
+          <a:chOff x="0" y="0"/>
+          <a:chExt cx="0" cy="0"/>
+        </a:xfrm>
+      </p:grpSpPr>
+      <p:sp>
+        <p:nvSpPr>
+          <p:cNvPr id="2" name="Образ слайда 1"/>
+          <p:cNvSpPr>
+            <a:spLocks noGrp="1" noRot="1" noChangeAspect="1"/>
+          </p:cNvSpPr>
+          <p:nvPr>
+            <p:ph type="sldImg"/>
+          </p:nvPr>
+        </p:nvSpPr>
+        <p:spPr>
+          <a:xfrm>
+            <a:off x="381000" y="685800"/>
+            <a:ext cx="6096000" cy="3429000"/>
+          </a:xfrm>
+        </p:spPr>
+      </p:sp>
+      <p:sp>
+        <p:nvSpPr>
+          <p:cNvPr id="3" name="Заметки 2"/>
+          <p:cNvSpPr>
+            <a:spLocks noGrp="1"/>
+          </p:cNvSpPr>
+          <p:nvPr>
+            <p:ph type="body" idx="1"/>
+          </p:nvPr>
+        </p:nvSpPr>
+        <p:spPr/>
+        <p:txBody>
+          <a:bodyPr/>
+          <a:lstStyle/>
+          <a:p>
+            <a:endParaRPr lang="ru-RU" dirty="0"/>
+          </a:p>
+        </p:txBody>
+      </p:sp>
+    </p:spTree>
+    <p:extLst>
+      <p:ext uri="{BB962C8B-B14F-4D97-AF65-F5344CB8AC3E}">
+        <p14:creationId xmlns:p14="http://schemas.microsoft.com/office/powerpoint/2010/main" val="2274072070"/>
       </p:ext>
     </p:extLst>
   </p:cSld>
@@ -8862,6 +8929,403 @@
 <file path=ppt/slides/slide17.xml><?xml version="1.0" encoding="utf-8"?>
 <p:sld xmlns:a="http://schemas.openxmlformats.org/drawingml/2006/main" xmlns:r="http://schemas.openxmlformats.org/officeDocument/2006/relationships" xmlns:p="http://schemas.openxmlformats.org/presentationml/2006/main">
   <p:cSld>
+    <p:spTree>
+      <p:nvGrpSpPr>
+        <p:cNvPr id="1" name=""/>
+        <p:cNvGrpSpPr/>
+        <p:nvPr/>
+      </p:nvGrpSpPr>
+      <p:grpSpPr>
+        <a:xfrm>
+          <a:off x="0" y="0"/>
+          <a:ext cx="0" cy="0"/>
+          <a:chOff x="0" y="0"/>
+          <a:chExt cx="0" cy="0"/>
+        </a:xfrm>
+      </p:grpSpPr>
+      <p:sp>
+        <p:nvSpPr>
+          <p:cNvPr id="336" name="Google Shape;181;p27"/>
+          <p:cNvSpPr txBox="1"/>
+          <p:nvPr/>
+        </p:nvSpPr>
+        <p:spPr>
+          <a:xfrm>
+            <a:off x="1001155" y="2463776"/>
+            <a:ext cx="16375421" cy="2606458"/>
+          </a:xfrm>
+          <a:prstGeom prst="rect">
+            <a:avLst/>
+          </a:prstGeom>
+          <a:ln w="12700">
+            <a:miter lim="400000"/>
+          </a:ln>
+          <a:extLst>
+            <a:ext uri="{C572A759-6A51-4108-AA02-DFA0A04FC94B}">
+              <ma14:wrappingTextBoxFlag xmlns:ma14="http://schemas.microsoft.com/office/mac/drawingml/2011/main" xmlns="" val="1"/>
+            </a:ext>
+          </a:extLst>
+        </p:spPr>
+        <p:txBody>
+          <a:bodyPr lIns="71425" tIns="71425" rIns="71425" bIns="71425" anchor="ctr">
+            <a:spAutoFit/>
+          </a:bodyPr>
+          <a:lstStyle>
+            <a:lvl1pPr>
+              <a:lnSpc>
+                <a:spcPct val="220000"/>
+              </a:lnSpc>
+              <a:defRPr sz="8000" spc="-150">
+                <a:latin typeface="TT Norms Bold"/>
+                <a:ea typeface="TT Norms Bold"/>
+                <a:cs typeface="TT Norms Bold"/>
+                <a:sym typeface="TT Norms Bold"/>
+              </a:defRPr>
+            </a:lvl1pPr>
+          </a:lstStyle>
+          <a:p>
+            <a:pPr>
+              <a:lnSpc>
+                <a:spcPct val="100000"/>
+              </a:lnSpc>
+            </a:pPr>
+            <a:r>
+              <a:rPr lang="en-US" dirty="0"/>
+              <a:t>Pandas</a:t>
+            </a:r>
+          </a:p>
+          <a:p>
+            <a:pPr>
+              <a:lnSpc>
+                <a:spcPct val="100000"/>
+              </a:lnSpc>
+            </a:pPr>
+            <a:r>
+              <a:rPr lang="en-US" dirty="0" err="1"/>
+              <a:t>DataFrame</a:t>
+            </a:r>
+            <a:endParaRPr dirty="0"/>
+          </a:p>
+        </p:txBody>
+      </p:sp>
+      <p:pic>
+        <p:nvPicPr>
+          <p:cNvPr id="339" name="skillbox black.png" descr="skillbox black.png"/>
+          <p:cNvPicPr>
+            <a:picLocks noChangeAspect="1"/>
+          </p:cNvPicPr>
+          <p:nvPr/>
+        </p:nvPicPr>
+        <p:blipFill>
+          <a:blip r:embed="rId3"/>
+          <a:stretch>
+            <a:fillRect/>
+          </a:stretch>
+        </p:blipFill>
+        <p:spPr>
+          <a:xfrm>
+            <a:off x="1266959" y="1306593"/>
+            <a:ext cx="2032002" cy="457202"/>
+          </a:xfrm>
+          <a:prstGeom prst="rect">
+            <a:avLst/>
+          </a:prstGeom>
+          <a:ln w="12700">
+            <a:miter lim="400000"/>
+          </a:ln>
+        </p:spPr>
+      </p:pic>
+      <p:sp>
+        <p:nvSpPr>
+          <p:cNvPr id="20" name="Google Shape;120;p31"/>
+          <p:cNvSpPr txBox="1"/>
+          <p:nvPr/>
+        </p:nvSpPr>
+        <p:spPr>
+          <a:xfrm>
+            <a:off x="3575681" y="1207606"/>
+            <a:ext cx="381303" cy="656590"/>
+          </a:xfrm>
+          <a:prstGeom prst="rect">
+            <a:avLst/>
+          </a:prstGeom>
+          <a:ln w="12700">
+            <a:miter lim="400000"/>
+          </a:ln>
+          <a:extLst>
+            <a:ext uri="{C572A759-6A51-4108-AA02-DFA0A04FC94B}">
+              <ma14:wrappingTextBoxFlag xmlns:ma14="http://schemas.microsoft.com/office/mac/drawingml/2011/main" xmlns="" val="1"/>
+            </a:ext>
+          </a:extLst>
+        </p:spPr>
+        <p:txBody>
+          <a:bodyPr lIns="50800" tIns="50800" rIns="50800" bIns="50800" anchor="ctr">
+            <a:spAutoFit/>
+          </a:bodyPr>
+          <a:lstStyle>
+            <a:lvl1pPr algn="ctr">
+              <a:defRPr sz="3600">
+                <a:solidFill>
+                  <a:srgbClr val="FFFFFF"/>
+                </a:solidFill>
+                <a:latin typeface="Open Sans Light"/>
+                <a:ea typeface="Open Sans Light"/>
+                <a:cs typeface="Open Sans Light"/>
+                <a:sym typeface="Open Sans Light"/>
+              </a:defRPr>
+            </a:lvl1pPr>
+          </a:lstStyle>
+          <a:p>
+            <a:r>
+              <a:rPr dirty="0">
+                <a:solidFill>
+                  <a:schemeClr val="tx1"/>
+                </a:solidFill>
+              </a:rPr>
+              <a:t>+</a:t>
+            </a:r>
+          </a:p>
+        </p:txBody>
+      </p:sp>
+      <p:sp>
+        <p:nvSpPr>
+          <p:cNvPr id="21" name="Google Shape;121;p31"/>
+          <p:cNvSpPr txBox="1"/>
+          <p:nvPr/>
+        </p:nvSpPr>
+        <p:spPr>
+          <a:xfrm>
+            <a:off x="4147682" y="1212050"/>
+            <a:ext cx="9124438" cy="646288"/>
+          </a:xfrm>
+          <a:prstGeom prst="rect">
+            <a:avLst/>
+          </a:prstGeom>
+          <a:ln w="12700">
+            <a:miter lim="400000"/>
+          </a:ln>
+          <a:extLst>
+            <a:ext uri="{C572A759-6A51-4108-AA02-DFA0A04FC94B}">
+              <ma14:wrappingTextBoxFlag xmlns:ma14="http://schemas.microsoft.com/office/mac/drawingml/2011/main" xmlns="" val="1"/>
+            </a:ext>
+          </a:extLst>
+        </p:spPr>
+        <p:txBody>
+          <a:bodyPr wrap="square" lIns="45699" tIns="45699" rIns="45699" bIns="45699">
+            <a:spAutoFit/>
+          </a:bodyPr>
+          <a:lstStyle>
+            <a:lvl1pPr>
+              <a:defRPr sz="3600">
+                <a:solidFill>
+                  <a:srgbClr val="FFFFFF"/>
+                </a:solidFill>
+                <a:latin typeface="+mn-lt"/>
+                <a:ea typeface="+mn-ea"/>
+                <a:cs typeface="+mn-cs"/>
+                <a:sym typeface="Arial"/>
+              </a:defRPr>
+            </a:lvl1pPr>
+          </a:lstStyle>
+          <a:p>
+            <a:r>
+              <a:rPr lang="ru-RU" dirty="0" err="1">
+                <a:solidFill>
+                  <a:schemeClr val="tx1"/>
+                </a:solidFill>
+              </a:rPr>
+              <a:t>Борнева</a:t>
+            </a:r>
+            <a:r>
+              <a:rPr lang="ru-RU" dirty="0">
+                <a:solidFill>
+                  <a:schemeClr val="tx1"/>
+                </a:solidFill>
+              </a:rPr>
+              <a:t> Анастасия (</a:t>
+            </a:r>
+            <a:r>
+              <a:rPr lang="ru-RU" dirty="0">
+                <a:solidFill>
+                  <a:schemeClr val="accent2">
+                    <a:lumMod val="75000"/>
+                  </a:schemeClr>
+                </a:solidFill>
+              </a:rPr>
+              <a:t>СБЕРБАНК</a:t>
+            </a:r>
+            <a:r>
+              <a:rPr lang="ru-RU" dirty="0">
+                <a:solidFill>
+                  <a:schemeClr val="tx1"/>
+                </a:solidFill>
+              </a:rPr>
+              <a:t>)</a:t>
+            </a:r>
+            <a:endParaRPr dirty="0">
+              <a:solidFill>
+                <a:schemeClr val="tx1"/>
+              </a:solidFill>
+            </a:endParaRPr>
+          </a:p>
+        </p:txBody>
+      </p:sp>
+      <p:pic>
+        <p:nvPicPr>
+          <p:cNvPr id="47" name="Group 2.png" descr="Group 2.png">
+            <a:extLst>
+              <a:ext uri="{FF2B5EF4-FFF2-40B4-BE49-F238E27FC236}">
+                <a16:creationId xmlns:a16="http://schemas.microsoft.com/office/drawing/2014/main" id="{CE5A353E-813F-4BB9-8D3D-774B7F97B867}"/>
+              </a:ext>
+            </a:extLst>
+          </p:cNvPr>
+          <p:cNvPicPr>
+            <a:picLocks noChangeAspect="1"/>
+          </p:cNvPicPr>
+          <p:nvPr/>
+        </p:nvPicPr>
+        <p:blipFill>
+          <a:blip r:embed="rId4"/>
+          <a:stretch>
+            <a:fillRect/>
+          </a:stretch>
+        </p:blipFill>
+        <p:spPr>
+          <a:xfrm>
+            <a:off x="21058384" y="1278077"/>
+            <a:ext cx="2057402" cy="533402"/>
+          </a:xfrm>
+          <a:prstGeom prst="rect">
+            <a:avLst/>
+          </a:prstGeom>
+          <a:ln w="12700">
+            <a:miter lim="400000"/>
+          </a:ln>
+        </p:spPr>
+      </p:pic>
+      <p:pic>
+        <p:nvPicPr>
+          <p:cNvPr id="2" name="Рисунок 1">
+            <a:extLst>
+              <a:ext uri="{FF2B5EF4-FFF2-40B4-BE49-F238E27FC236}">
+                <a16:creationId xmlns:a16="http://schemas.microsoft.com/office/drawing/2014/main" id="{85808B78-AE27-423C-A33F-8BE78E66CCF6}"/>
+              </a:ext>
+            </a:extLst>
+          </p:cNvPr>
+          <p:cNvPicPr>
+            <a:picLocks noChangeAspect="1"/>
+          </p:cNvPicPr>
+          <p:nvPr/>
+        </p:nvPicPr>
+        <p:blipFill>
+          <a:blip r:embed="rId5"/>
+          <a:stretch>
+            <a:fillRect/>
+          </a:stretch>
+        </p:blipFill>
+        <p:spPr>
+          <a:xfrm>
+            <a:off x="7572549" y="2011426"/>
+            <a:ext cx="16068723" cy="11327992"/>
+          </a:xfrm>
+          <a:prstGeom prst="rect">
+            <a:avLst/>
+          </a:prstGeom>
+        </p:spPr>
+      </p:pic>
+      <p:sp>
+        <p:nvSpPr>
+          <p:cNvPr id="10" name="Google Shape;219;p30">
+            <a:extLst>
+              <a:ext uri="{FF2B5EF4-FFF2-40B4-BE49-F238E27FC236}">
+                <a16:creationId xmlns:a16="http://schemas.microsoft.com/office/drawing/2014/main" id="{573FCD67-4CE1-454C-ACA1-0F1D5FCEED0D}"/>
+              </a:ext>
+            </a:extLst>
+          </p:cNvPr>
+          <p:cNvSpPr txBox="1"/>
+          <p:nvPr/>
+        </p:nvSpPr>
+        <p:spPr>
+          <a:xfrm>
+            <a:off x="1266959" y="5770215"/>
+            <a:ext cx="5760640" cy="2175570"/>
+          </a:xfrm>
+          <a:prstGeom prst="rect">
+            <a:avLst/>
+          </a:prstGeom>
+          <a:ln w="12700">
+            <a:miter lim="400000"/>
+          </a:ln>
+          <a:extLst>
+            <a:ext uri="{C572A759-6A51-4108-AA02-DFA0A04FC94B}">
+              <ma14:wrappingTextBoxFlag xmlns:ma14="http://schemas.microsoft.com/office/mac/drawingml/2011/main" xmlns="" val="1"/>
+            </a:ext>
+          </a:extLst>
+        </p:spPr>
+        <p:txBody>
+          <a:bodyPr wrap="square" lIns="71425" tIns="71425" rIns="71425" bIns="71425">
+            <a:spAutoFit/>
+          </a:bodyPr>
+          <a:lstStyle/>
+          <a:p>
+            <a:pPr marL="571500" indent="-571500">
+              <a:buFont typeface="Arial" panose="020B0604020202020204" pitchFamily="34" charset="0"/>
+              <a:buChar char="•"/>
+            </a:pPr>
+            <a:r>
+              <a:rPr lang="ru-RU" sz="4400" dirty="0">
+                <a:hlinkClick r:id="rId6"/>
+              </a:rPr>
+              <a:t>Документация</a:t>
+            </a:r>
+            <a:endParaRPr lang="en-US" sz="4400" dirty="0">
+              <a:hlinkClick r:id="rId7"/>
+            </a:endParaRPr>
+          </a:p>
+          <a:p>
+            <a:pPr marL="571500" indent="-571500">
+              <a:buFont typeface="Arial" panose="020B0604020202020204" pitchFamily="34" charset="0"/>
+              <a:buChar char="•"/>
+            </a:pPr>
+            <a:endParaRPr lang="en-US" sz="4400" dirty="0">
+              <a:hlinkClick r:id="rId7"/>
+            </a:endParaRPr>
+          </a:p>
+          <a:p>
+            <a:pPr marL="571500" indent="-571500">
+              <a:buFont typeface="Arial" panose="020B0604020202020204" pitchFamily="34" charset="0"/>
+              <a:buChar char="•"/>
+            </a:pPr>
+            <a:r>
+              <a:rPr lang="en-US" sz="4400" dirty="0">
+                <a:hlinkClick r:id="rId7"/>
+              </a:rPr>
+              <a:t>Cheat Sheet</a:t>
+            </a:r>
+            <a:endParaRPr lang="ru-RU" sz="4400" dirty="0">
+              <a:latin typeface="Calibri" pitchFamily="34" charset="0"/>
+              <a:cs typeface="Calibri" pitchFamily="34" charset="0"/>
+            </a:endParaRPr>
+          </a:p>
+        </p:txBody>
+      </p:sp>
+    </p:spTree>
+    <p:extLst>
+      <p:ext uri="{BB962C8B-B14F-4D97-AF65-F5344CB8AC3E}">
+        <p14:creationId xmlns:p14="http://schemas.microsoft.com/office/powerpoint/2010/main" val="3540787801"/>
+      </p:ext>
+    </p:extLst>
+  </p:cSld>
+  <p:clrMapOvr>
+    <a:masterClrMapping/>
+  </p:clrMapOvr>
+  <p:transition spd="med"/>
+</p:sld>
+</file>
+
+<file path=ppt/slides/slide18.xml><?xml version="1.0" encoding="utf-8"?>
+<p:sld xmlns:a="http://schemas.openxmlformats.org/drawingml/2006/main" xmlns:r="http://schemas.openxmlformats.org/officeDocument/2006/relationships" xmlns:p="http://schemas.openxmlformats.org/presentationml/2006/main">
+  <p:cSld>
     <p:bg>
       <p:bgPr>
         <a:solidFill>
@@ -9128,7 +9592,7 @@
 </p:sld>
 </file>
 
-<file path=ppt/slides/slide18.xml><?xml version="1.0" encoding="utf-8"?>
+<file path=ppt/slides/slide19.xml><?xml version="1.0" encoding="utf-8"?>
 <p:sld xmlns:a="http://schemas.openxmlformats.org/drawingml/2006/main" xmlns:r="http://schemas.openxmlformats.org/officeDocument/2006/relationships" xmlns:p="http://schemas.openxmlformats.org/presentationml/2006/main">
   <p:cSld>
     <p:bg>
